--- a/Documents/upgrade angularjs.pptx
+++ b/Documents/upgrade angularjs.pptx
@@ -11,7 +11,9 @@
     <p:sldId id="261" r:id="rId5"/>
     <p:sldId id="262" r:id="rId6"/>
     <p:sldId id="263" r:id="rId7"/>
-    <p:sldId id="258" r:id="rId8"/>
+    <p:sldId id="264" r:id="rId8"/>
+    <p:sldId id="265" r:id="rId9"/>
+    <p:sldId id="258" r:id="rId10"/>
   </p:sldIdLst>
   <p:sldSz cx="12192000" cy="6858000"/>
   <p:notesSz cx="6858000" cy="9144000"/>
@@ -3054,7 +3056,6 @@
               <a:rPr lang="en-US" altLang="zh-CN" sz="5400" dirty="0" smtClean="0"/>
               <a:t>Step 1</a:t>
             </a:r>
-            <a:endParaRPr lang="en-US" altLang="zh-CN" sz="5400" dirty="0" smtClean="0"/>
           </a:p>
         </p:txBody>
       </p:sp>
@@ -3146,7 +3147,6 @@
               <a:rPr lang="en-US" altLang="zh-CN" sz="5400" dirty="0" smtClean="0"/>
               <a:t>Step 2</a:t>
             </a:r>
-            <a:endParaRPr lang="en-US" altLang="zh-CN" sz="5400" dirty="0" smtClean="0"/>
           </a:p>
         </p:txBody>
       </p:sp>
@@ -3485,7 +3485,6 @@
               <a:rPr lang="en-US" altLang="zh-CN" sz="5400" dirty="0" smtClean="0"/>
               <a:t>Step 3</a:t>
             </a:r>
-            <a:endParaRPr lang="en-US" altLang="zh-CN" sz="5400" dirty="0" smtClean="0"/>
           </a:p>
         </p:txBody>
       </p:sp>
@@ -3577,7 +3576,6 @@
               <a:rPr lang="en-US" altLang="zh-CN" sz="5400" dirty="0" smtClean="0"/>
               <a:t>Step 4</a:t>
             </a:r>
-            <a:endParaRPr lang="en-US" altLang="zh-CN" sz="5400" dirty="0" smtClean="0"/>
           </a:p>
         </p:txBody>
       </p:sp>
@@ -3702,7 +3700,39 @@
               <a:rPr lang="en-US" altLang="zh-CN" sz="5400" dirty="0" smtClean="0"/>
               <a:t>Step 5</a:t>
             </a:r>
-            <a:endParaRPr lang="en-US" altLang="zh-CN" sz="5400" dirty="0" smtClean="0"/>
+          </a:p>
+        </p:txBody>
+      </p:sp>
+      <p:sp>
+        <p:nvSpPr>
+          <p:cNvPr id="3" name="矩形 2"/>
+          <p:cNvSpPr/>
+          <p:nvPr/>
+        </p:nvSpPr>
+        <p:spPr>
+          <a:xfrm>
+            <a:off x="2404973" y="1657318"/>
+            <a:ext cx="1356975" cy="369332"/>
+          </a:xfrm>
+          <a:prstGeom prst="rect">
+            <a:avLst/>
+          </a:prstGeom>
+        </p:spPr>
+        <p:txBody>
+          <a:bodyPr wrap="none">
+            <a:spAutoFit/>
+          </a:bodyPr>
+          <a:lstStyle/>
+          <a:p>
+            <a:r>
+              <a:rPr lang="zh-CN" altLang="en-US" dirty="0" smtClean="0"/>
+              <a:t>改写 </a:t>
+            </a:r>
+            <a:r>
+              <a:rPr lang="en-US" altLang="zh-CN" dirty="0" smtClean="0"/>
+              <a:t>service</a:t>
+            </a:r>
+            <a:endParaRPr lang="zh-CN" altLang="en-US" dirty="0"/>
           </a:p>
         </p:txBody>
       </p:sp>
@@ -3720,6 +3750,358 @@
 </file>
 
 <file path=ppt/slides/slide7.xml><?xml version="1.0" encoding="utf-8"?>
+<p:sld xmlns:a="http://schemas.openxmlformats.org/drawingml/2006/main" xmlns:r="http://schemas.openxmlformats.org/officeDocument/2006/relationships" xmlns:p="http://schemas.openxmlformats.org/presentationml/2006/main">
+  <p:cSld>
+    <p:spTree>
+      <p:nvGrpSpPr>
+        <p:cNvPr id="1" name=""/>
+        <p:cNvGrpSpPr/>
+        <p:nvPr/>
+      </p:nvGrpSpPr>
+      <p:grpSpPr>
+        <a:xfrm>
+          <a:off x="0" y="0"/>
+          <a:ext cx="0" cy="0"/>
+          <a:chOff x="0" y="0"/>
+          <a:chExt cx="0" cy="0"/>
+        </a:xfrm>
+      </p:grpSpPr>
+      <p:sp>
+        <p:nvSpPr>
+          <p:cNvPr id="9" name="矩形 8"/>
+          <p:cNvSpPr/>
+          <p:nvPr/>
+        </p:nvSpPr>
+        <p:spPr>
+          <a:xfrm>
+            <a:off x="4888602" y="364656"/>
+            <a:ext cx="1943737" cy="923330"/>
+          </a:xfrm>
+          <a:prstGeom prst="rect">
+            <a:avLst/>
+          </a:prstGeom>
+        </p:spPr>
+        <p:txBody>
+          <a:bodyPr wrap="none">
+            <a:spAutoFit/>
+          </a:bodyPr>
+          <a:lstStyle/>
+          <a:p>
+            <a:r>
+              <a:rPr lang="en-US" altLang="zh-CN" sz="5400" dirty="0" smtClean="0"/>
+              <a:t>Step </a:t>
+            </a:r>
+            <a:r>
+              <a:rPr lang="en-US" altLang="zh-CN" sz="5400" dirty="0" smtClean="0"/>
+              <a:t>6</a:t>
+            </a:r>
+            <a:endParaRPr lang="en-US" altLang="zh-CN" sz="5400" dirty="0" smtClean="0"/>
+          </a:p>
+        </p:txBody>
+      </p:sp>
+      <p:sp>
+        <p:nvSpPr>
+          <p:cNvPr id="3" name="矩形 2"/>
+          <p:cNvSpPr/>
+          <p:nvPr/>
+        </p:nvSpPr>
+        <p:spPr>
+          <a:xfrm>
+            <a:off x="2404973" y="1657318"/>
+            <a:ext cx="2495170" cy="369332"/>
+          </a:xfrm>
+          <a:prstGeom prst="rect">
+            <a:avLst/>
+          </a:prstGeom>
+        </p:spPr>
+        <p:txBody>
+          <a:bodyPr wrap="none">
+            <a:spAutoFit/>
+          </a:bodyPr>
+          <a:lstStyle/>
+          <a:p>
+            <a:r>
+              <a:rPr lang="en-US" altLang="zh-CN" dirty="0" smtClean="0"/>
+              <a:t>Add angular 6 reference </a:t>
+            </a:r>
+            <a:endParaRPr lang="zh-CN" altLang="en-US" dirty="0"/>
+          </a:p>
+        </p:txBody>
+      </p:sp>
+      <p:sp>
+        <p:nvSpPr>
+          <p:cNvPr id="4" name="矩形 3"/>
+          <p:cNvSpPr/>
+          <p:nvPr/>
+        </p:nvSpPr>
+        <p:spPr>
+          <a:xfrm>
+            <a:off x="2393432" y="2097100"/>
+            <a:ext cx="1547155" cy="369332"/>
+          </a:xfrm>
+          <a:prstGeom prst="rect">
+            <a:avLst/>
+          </a:prstGeom>
+        </p:spPr>
+        <p:txBody>
+          <a:bodyPr wrap="none">
+            <a:spAutoFit/>
+          </a:bodyPr>
+          <a:lstStyle/>
+          <a:p>
+            <a:r>
+              <a:rPr lang="en-US" altLang="zh-CN" dirty="0" smtClean="0"/>
+              <a:t>Add </a:t>
+            </a:r>
+            <a:r>
+              <a:rPr lang="en-US" altLang="zh-CN" dirty="0" err="1" smtClean="0"/>
+              <a:t>ployfills</a:t>
+            </a:r>
+            <a:r>
+              <a:rPr lang="en-US" altLang="zh-CN" dirty="0" smtClean="0"/>
+              <a:t>  ?</a:t>
+            </a:r>
+            <a:endParaRPr lang="zh-CN" altLang="en-US" dirty="0"/>
+          </a:p>
+        </p:txBody>
+      </p:sp>
+      <p:sp>
+        <p:nvSpPr>
+          <p:cNvPr id="5" name="矩形 4"/>
+          <p:cNvSpPr/>
+          <p:nvPr/>
+        </p:nvSpPr>
+        <p:spPr>
+          <a:xfrm>
+            <a:off x="2393431" y="2536882"/>
+            <a:ext cx="1862113" cy="369332"/>
+          </a:xfrm>
+          <a:prstGeom prst="rect">
+            <a:avLst/>
+          </a:prstGeom>
+        </p:spPr>
+        <p:txBody>
+          <a:bodyPr wrap="none">
+            <a:spAutoFit/>
+          </a:bodyPr>
+          <a:lstStyle/>
+          <a:p>
+            <a:r>
+              <a:rPr lang="en-US" altLang="zh-CN" dirty="0" smtClean="0"/>
+              <a:t>Bootstrap angu</a:t>
+            </a:r>
+            <a:r>
+              <a:rPr lang="en-US" altLang="zh-CN" dirty="0" smtClean="0"/>
+              <a:t>lar</a:t>
+            </a:r>
+            <a:endParaRPr lang="zh-CN" altLang="en-US" dirty="0"/>
+          </a:p>
+        </p:txBody>
+      </p:sp>
+    </p:spTree>
+    <p:extLst>
+      <p:ext uri="{BB962C8B-B14F-4D97-AF65-F5344CB8AC3E}">
+        <p14:creationId xmlns:p14="http://schemas.microsoft.com/office/powerpoint/2010/main" val="2452506044"/>
+      </p:ext>
+    </p:extLst>
+  </p:cSld>
+  <p:clrMapOvr>
+    <a:masterClrMapping/>
+  </p:clrMapOvr>
+</p:sld>
+</file>
+
+<file path=ppt/slides/slide8.xml><?xml version="1.0" encoding="utf-8"?>
+<p:sld xmlns:a="http://schemas.openxmlformats.org/drawingml/2006/main" xmlns:r="http://schemas.openxmlformats.org/officeDocument/2006/relationships" xmlns:p="http://schemas.openxmlformats.org/presentationml/2006/main">
+  <p:cSld>
+    <p:spTree>
+      <p:nvGrpSpPr>
+        <p:cNvPr id="1" name=""/>
+        <p:cNvGrpSpPr/>
+        <p:nvPr/>
+      </p:nvGrpSpPr>
+      <p:grpSpPr>
+        <a:xfrm>
+          <a:off x="0" y="0"/>
+          <a:ext cx="0" cy="0"/>
+          <a:chOff x="0" y="0"/>
+          <a:chExt cx="0" cy="0"/>
+        </a:xfrm>
+      </p:grpSpPr>
+      <p:sp>
+        <p:nvSpPr>
+          <p:cNvPr id="9" name="矩形 8"/>
+          <p:cNvSpPr/>
+          <p:nvPr/>
+        </p:nvSpPr>
+        <p:spPr>
+          <a:xfrm>
+            <a:off x="4888602" y="364656"/>
+            <a:ext cx="1943737" cy="923330"/>
+          </a:xfrm>
+          <a:prstGeom prst="rect">
+            <a:avLst/>
+          </a:prstGeom>
+        </p:spPr>
+        <p:txBody>
+          <a:bodyPr wrap="none">
+            <a:spAutoFit/>
+          </a:bodyPr>
+          <a:lstStyle/>
+          <a:p>
+            <a:r>
+              <a:rPr lang="en-US" altLang="zh-CN" sz="5400" dirty="0" smtClean="0"/>
+              <a:t>Step </a:t>
+            </a:r>
+            <a:r>
+              <a:rPr lang="en-US" altLang="zh-CN" sz="5400" dirty="0" smtClean="0"/>
+              <a:t>7</a:t>
+            </a:r>
+            <a:endParaRPr lang="en-US" altLang="zh-CN" sz="5400" dirty="0" smtClean="0"/>
+          </a:p>
+        </p:txBody>
+      </p:sp>
+      <p:sp>
+        <p:nvSpPr>
+          <p:cNvPr id="5" name="矩形 4"/>
+          <p:cNvSpPr/>
+          <p:nvPr/>
+        </p:nvSpPr>
+        <p:spPr>
+          <a:xfrm>
+            <a:off x="2445682" y="1483145"/>
+            <a:ext cx="1572290" cy="369332"/>
+          </a:xfrm>
+          <a:prstGeom prst="rect">
+            <a:avLst/>
+          </a:prstGeom>
+        </p:spPr>
+        <p:txBody>
+          <a:bodyPr wrap="none">
+            <a:spAutoFit/>
+          </a:bodyPr>
+          <a:lstStyle/>
+          <a:p>
+            <a:r>
+              <a:rPr lang="en-US" altLang="zh-CN" dirty="0" smtClean="0"/>
+              <a:t>Add </a:t>
+            </a:r>
+            <a:r>
+              <a:rPr lang="en-US" altLang="zh-CN" dirty="0" err="1" smtClean="0"/>
+              <a:t>HttpClient</a:t>
+            </a:r>
+            <a:endParaRPr lang="zh-CN" altLang="en-US" dirty="0"/>
+          </a:p>
+        </p:txBody>
+      </p:sp>
+      <p:sp>
+        <p:nvSpPr>
+          <p:cNvPr id="2" name="矩形 1"/>
+          <p:cNvSpPr/>
+          <p:nvPr/>
+        </p:nvSpPr>
+        <p:spPr>
+          <a:xfrm>
+            <a:off x="2445682" y="1955466"/>
+            <a:ext cx="2932278" cy="369332"/>
+          </a:xfrm>
+          <a:prstGeom prst="rect">
+            <a:avLst/>
+          </a:prstGeom>
+        </p:spPr>
+        <p:txBody>
+          <a:bodyPr wrap="none">
+            <a:spAutoFit/>
+          </a:bodyPr>
+          <a:lstStyle/>
+          <a:p>
+            <a:r>
+              <a:rPr lang="en-US" dirty="0" err="1" smtClean="0"/>
+              <a:t>downgradeInjectable</a:t>
+            </a:r>
+            <a:r>
+              <a:rPr lang="en-US" dirty="0" smtClean="0"/>
+              <a:t>  service</a:t>
+            </a:r>
+            <a:endParaRPr lang="en-US" dirty="0"/>
+          </a:p>
+        </p:txBody>
+      </p:sp>
+      <p:sp>
+        <p:nvSpPr>
+          <p:cNvPr id="7" name="矩形 6"/>
+          <p:cNvSpPr/>
+          <p:nvPr/>
+        </p:nvSpPr>
+        <p:spPr>
+          <a:xfrm>
+            <a:off x="2445682" y="2391048"/>
+            <a:ext cx="1823961" cy="369332"/>
+          </a:xfrm>
+          <a:prstGeom prst="rect">
+            <a:avLst/>
+          </a:prstGeom>
+        </p:spPr>
+        <p:txBody>
+          <a:bodyPr wrap="none">
+            <a:spAutoFit/>
+          </a:bodyPr>
+          <a:lstStyle/>
+          <a:p>
+            <a:r>
+              <a:rPr lang="en-US" dirty="0" smtClean="0"/>
+              <a:t>Third part </a:t>
+            </a:r>
+            <a:r>
+              <a:rPr lang="en-US" dirty="0" err="1" smtClean="0"/>
+              <a:t>js</a:t>
+            </a:r>
+            <a:r>
+              <a:rPr lang="en-US" dirty="0" smtClean="0"/>
+              <a:t> tools</a:t>
+            </a:r>
+            <a:endParaRPr lang="en-US" dirty="0"/>
+          </a:p>
+        </p:txBody>
+      </p:sp>
+      <p:pic>
+        <p:nvPicPr>
+          <p:cNvPr id="6" name="图片 5"/>
+          <p:cNvPicPr>
+            <a:picLocks noChangeAspect="1"/>
+          </p:cNvPicPr>
+          <p:nvPr/>
+        </p:nvPicPr>
+        <p:blipFill>
+          <a:blip r:embed="rId2"/>
+          <a:stretch>
+            <a:fillRect/>
+          </a:stretch>
+        </p:blipFill>
+        <p:spPr>
+          <a:xfrm>
+            <a:off x="3013166" y="2826630"/>
+            <a:ext cx="3538346" cy="1558591"/>
+          </a:xfrm>
+          <a:prstGeom prst="rect">
+            <a:avLst/>
+          </a:prstGeom>
+        </p:spPr>
+      </p:pic>
+    </p:spTree>
+    <p:extLst>
+      <p:ext uri="{BB962C8B-B14F-4D97-AF65-F5344CB8AC3E}">
+        <p14:creationId xmlns:p14="http://schemas.microsoft.com/office/powerpoint/2010/main" val="2300269714"/>
+      </p:ext>
+    </p:extLst>
+  </p:cSld>
+  <p:clrMapOvr>
+    <a:masterClrMapping/>
+  </p:clrMapOvr>
+</p:sld>
+</file>
+
+<file path=ppt/slides/slide9.xml><?xml version="1.0" encoding="utf-8"?>
 <p:sld xmlns:a="http://schemas.openxmlformats.org/drawingml/2006/main" xmlns:r="http://schemas.openxmlformats.org/officeDocument/2006/relationships" xmlns:p="http://schemas.openxmlformats.org/presentationml/2006/main">
   <p:cSld>
     <p:spTree>

--- a/Documents/upgrade angularjs.pptx
+++ b/Documents/upgrade angularjs.pptx
@@ -13,7 +13,8 @@
     <p:sldId id="263" r:id="rId7"/>
     <p:sldId id="264" r:id="rId8"/>
     <p:sldId id="265" r:id="rId9"/>
-    <p:sldId id="258" r:id="rId10"/>
+    <p:sldId id="266" r:id="rId10"/>
+    <p:sldId id="258" r:id="rId11"/>
   </p:sldIdLst>
   <p:sldSz cx="12192000" cy="6858000"/>
   <p:notesSz cx="6858000" cy="9144000"/>
@@ -3014,6 +3015,139 @@
 </p:sld>
 </file>
 
+<file path=ppt/slides/slide10.xml><?xml version="1.0" encoding="utf-8"?>
+<p:sld xmlns:a="http://schemas.openxmlformats.org/drawingml/2006/main" xmlns:r="http://schemas.openxmlformats.org/officeDocument/2006/relationships" xmlns:p="http://schemas.openxmlformats.org/presentationml/2006/main">
+  <p:cSld>
+    <p:spTree>
+      <p:nvGrpSpPr>
+        <p:cNvPr id="1" name=""/>
+        <p:cNvGrpSpPr/>
+        <p:nvPr/>
+      </p:nvGrpSpPr>
+      <p:grpSpPr>
+        <a:xfrm>
+          <a:off x="0" y="0"/>
+          <a:ext cx="0" cy="0"/>
+          <a:chOff x="0" y="0"/>
+          <a:chExt cx="0" cy="0"/>
+        </a:xfrm>
+      </p:grpSpPr>
+      <p:sp>
+        <p:nvSpPr>
+          <p:cNvPr id="3" name="矩形 2"/>
+          <p:cNvSpPr/>
+          <p:nvPr/>
+        </p:nvSpPr>
+        <p:spPr>
+          <a:xfrm>
+            <a:off x="1294045" y="5333305"/>
+            <a:ext cx="6724085" cy="923330"/>
+          </a:xfrm>
+          <a:prstGeom prst="rect">
+            <a:avLst/>
+          </a:prstGeom>
+        </p:spPr>
+        <p:txBody>
+          <a:bodyPr wrap="none">
+            <a:spAutoFit/>
+          </a:bodyPr>
+          <a:lstStyle/>
+          <a:p>
+            <a:r>
+              <a:rPr lang="en-US" altLang="zh-CN" dirty="0" smtClean="0"/>
+              <a:t>S</a:t>
+            </a:r>
+            <a:r>
+              <a:rPr lang="zh-CN" altLang="en-US" dirty="0" smtClean="0"/>
+              <a:t>tyleguide  </a:t>
+            </a:r>
+            <a:r>
+              <a:rPr lang="zh-CN" altLang="en-US" dirty="0"/>
+              <a:t>https://github.com/johnpapa/angular-styleguide</a:t>
+            </a:r>
+          </a:p>
+          <a:p>
+            <a:r>
+              <a:rPr lang="en-US" altLang="zh-CN" dirty="0"/>
+              <a:t>Learn Angular 5 For </a:t>
+            </a:r>
+            <a:r>
+              <a:rPr lang="en-US" altLang="zh-CN" b="1" dirty="0" smtClean="0"/>
+              <a:t>FREE  </a:t>
+            </a:r>
+            <a:r>
+              <a:rPr lang="zh-CN" altLang="en-US" dirty="0"/>
+              <a:t>https://codecraft.tv</a:t>
+            </a:r>
+            <a:r>
+              <a:rPr lang="zh-CN" altLang="en-US" dirty="0" smtClean="0"/>
+              <a:t>/</a:t>
+            </a:r>
+            <a:endParaRPr lang="en-US" altLang="zh-CN" dirty="0"/>
+          </a:p>
+          <a:p>
+            <a:r>
+              <a:rPr lang="zh-CN" altLang="en-US" dirty="0"/>
+              <a:t>angularjs-</a:t>
+            </a:r>
+            <a:r>
+              <a:rPr lang="zh-CN" altLang="en-US" dirty="0" smtClean="0"/>
+              <a:t>migration   </a:t>
+            </a:r>
+            <a:r>
+              <a:rPr lang="zh-CN" altLang="en-US" dirty="0"/>
+              <a:t>https://github.com/jawache/angularjs-</a:t>
+            </a:r>
+            <a:r>
+              <a:rPr lang="zh-CN" altLang="en-US" dirty="0" smtClean="0"/>
+              <a:t>migration</a:t>
+            </a:r>
+            <a:endParaRPr lang="zh-CN" altLang="en-US" dirty="0"/>
+          </a:p>
+        </p:txBody>
+      </p:sp>
+      <p:sp>
+        <p:nvSpPr>
+          <p:cNvPr id="9" name="矩形 8"/>
+          <p:cNvSpPr/>
+          <p:nvPr/>
+        </p:nvSpPr>
+        <p:spPr>
+          <a:xfrm>
+            <a:off x="4888602" y="364656"/>
+            <a:ext cx="2101344" cy="923330"/>
+          </a:xfrm>
+          <a:prstGeom prst="rect">
+            <a:avLst/>
+          </a:prstGeom>
+        </p:spPr>
+        <p:txBody>
+          <a:bodyPr wrap="none">
+            <a:spAutoFit/>
+          </a:bodyPr>
+          <a:lstStyle/>
+          <a:p>
+            <a:r>
+              <a:rPr lang="en-US" altLang="zh-CN" sz="5400" dirty="0" smtClean="0"/>
+              <a:t>Source</a:t>
+            </a:r>
+            <a:endParaRPr lang="zh-CN" altLang="en-US" sz="5400" dirty="0"/>
+          </a:p>
+        </p:txBody>
+      </p:sp>
+    </p:spTree>
+    <p:extLst>
+      <p:ext uri="{BB962C8B-B14F-4D97-AF65-F5344CB8AC3E}">
+        <p14:creationId xmlns:p14="http://schemas.microsoft.com/office/powerpoint/2010/main" val="3762694947"/>
+      </p:ext>
+    </p:extLst>
+  </p:cSld>
+  <p:clrMapOvr>
+    <a:masterClrMapping/>
+  </p:clrMapOvr>
+</p:sld>
+</file>
+
 <file path=ppt/slides/slide2.xml><?xml version="1.0" encoding="utf-8"?>
 <p:sld xmlns:a="http://schemas.openxmlformats.org/drawingml/2006/main" xmlns:r="http://schemas.openxmlformats.org/officeDocument/2006/relationships" xmlns:p="http://schemas.openxmlformats.org/presentationml/2006/main">
   <p:cSld>
@@ -3789,13 +3923,8 @@
           <a:p>
             <a:r>
               <a:rPr lang="en-US" altLang="zh-CN" sz="5400" dirty="0" smtClean="0"/>
-              <a:t>Step </a:t>
-            </a:r>
-            <a:r>
-              <a:rPr lang="en-US" altLang="zh-CN" sz="5400" dirty="0" smtClean="0"/>
-              <a:t>6</a:t>
-            </a:r>
-            <a:endParaRPr lang="en-US" altLang="zh-CN" sz="5400" dirty="0" smtClean="0"/>
+              <a:t>Step 6</a:t>
+            </a:r>
           </a:p>
         </p:txBody>
       </p:sp>
@@ -3888,11 +4017,7 @@
           <a:p>
             <a:r>
               <a:rPr lang="en-US" altLang="zh-CN" dirty="0" smtClean="0"/>
-              <a:t>Bootstrap angu</a:t>
-            </a:r>
-            <a:r>
-              <a:rPr lang="en-US" altLang="zh-CN" dirty="0" smtClean="0"/>
-              <a:t>lar</a:t>
+              <a:t>Bootstrap angular</a:t>
             </a:r>
             <a:endParaRPr lang="zh-CN" altLang="en-US" dirty="0"/>
           </a:p>
@@ -3951,13 +4076,8 @@
           <a:p>
             <a:r>
               <a:rPr lang="en-US" altLang="zh-CN" sz="5400" dirty="0" smtClean="0"/>
-              <a:t>Step </a:t>
-            </a:r>
-            <a:r>
-              <a:rPr lang="en-US" altLang="zh-CN" sz="5400" dirty="0" smtClean="0"/>
-              <a:t>7</a:t>
-            </a:r>
-            <a:endParaRPr lang="en-US" altLang="zh-CN" sz="5400" dirty="0" smtClean="0"/>
+              <a:t>Step 7</a:t>
+            </a:r>
           </a:p>
         </p:txBody>
       </p:sp>
@@ -4036,7 +4156,7 @@
         <p:spPr>
           <a:xfrm>
             <a:off x="2445682" y="2391048"/>
-            <a:ext cx="1823961" cy="369332"/>
+            <a:ext cx="4106765" cy="369332"/>
           </a:xfrm>
           <a:prstGeom prst="rect">
             <a:avLst/>
@@ -4058,7 +4178,23 @@
             </a:r>
             <a:r>
               <a:rPr lang="en-US" dirty="0" smtClean="0"/>
-              <a:t> tools</a:t>
+              <a:t> </a:t>
+            </a:r>
+            <a:r>
+              <a:rPr lang="en-US" dirty="0" smtClean="0"/>
+              <a:t>tools      </a:t>
+            </a:r>
+            <a:r>
+              <a:rPr lang="en-US" dirty="0" err="1" smtClean="0"/>
+              <a:t>ajs</a:t>
+            </a:r>
+            <a:r>
+              <a:rPr lang="en-US" dirty="0" smtClean="0"/>
+              <a:t>-upgraded-</a:t>
+            </a:r>
+            <a:r>
+              <a:rPr lang="en-US" dirty="0" err="1" smtClean="0"/>
+              <a:t>provier</a:t>
             </a:r>
             <a:endParaRPr lang="en-US" dirty="0"/>
           </a:p>
@@ -4120,14 +4256,14 @@
       </p:grpSpPr>
       <p:sp>
         <p:nvSpPr>
-          <p:cNvPr id="3" name="矩形 2"/>
+          <p:cNvPr id="9" name="矩形 8"/>
           <p:cNvSpPr/>
           <p:nvPr/>
         </p:nvSpPr>
         <p:spPr>
           <a:xfrm>
-            <a:off x="1294045" y="5333305"/>
-            <a:ext cx="6724085" cy="923330"/>
+            <a:off x="662831" y="302513"/>
+            <a:ext cx="11134266" cy="923330"/>
           </a:xfrm>
           <a:prstGeom prst="rect">
             <a:avLst/>
@@ -4140,68 +4276,27 @@
           <a:lstStyle/>
           <a:p>
             <a:r>
-              <a:rPr lang="en-US" altLang="zh-CN" dirty="0" smtClean="0"/>
-              <a:t>S</a:t>
-            </a:r>
-            <a:r>
-              <a:rPr lang="zh-CN" altLang="en-US" dirty="0" smtClean="0"/>
-              <a:t>tyleguide  </a:t>
-            </a:r>
-            <a:r>
-              <a:rPr lang="zh-CN" altLang="en-US" dirty="0"/>
-              <a:t>https://github.com/johnpapa/angular-styleguide</a:t>
-            </a:r>
-          </a:p>
-          <a:p>
-            <a:r>
-              <a:rPr lang="en-US" altLang="zh-CN" dirty="0"/>
-              <a:t>Learn Angular 5 For </a:t>
-            </a:r>
-            <a:r>
-              <a:rPr lang="en-US" altLang="zh-CN" b="1" dirty="0" smtClean="0"/>
-              <a:t>FREE  </a:t>
-            </a:r>
-            <a:r>
-              <a:rPr lang="zh-CN" altLang="en-US" dirty="0"/>
-              <a:t>https://codecraft.tv</a:t>
-            </a:r>
-            <a:r>
-              <a:rPr lang="zh-CN" altLang="en-US" dirty="0" smtClean="0"/>
-              <a:t>/</a:t>
-            </a:r>
-            <a:endParaRPr lang="en-US" altLang="zh-CN" dirty="0"/>
-          </a:p>
-          <a:p>
-            <a:r>
-              <a:rPr lang="zh-CN" altLang="en-US" dirty="0"/>
-              <a:t>angularjs-</a:t>
-            </a:r>
-            <a:r>
-              <a:rPr lang="zh-CN" altLang="en-US" dirty="0" smtClean="0"/>
-              <a:t>migration   </a:t>
-            </a:r>
-            <a:r>
-              <a:rPr lang="zh-CN" altLang="en-US" dirty="0"/>
-              <a:t>https://github.com/jawache/angularjs-</a:t>
-            </a:r>
-            <a:r>
-              <a:rPr lang="zh-CN" altLang="en-US" dirty="0" smtClean="0"/>
-              <a:t>migration</a:t>
-            </a:r>
-            <a:endParaRPr lang="zh-CN" altLang="en-US" dirty="0"/>
-          </a:p>
-        </p:txBody>
-      </p:sp>
-      <p:sp>
-        <p:nvSpPr>
-          <p:cNvPr id="9" name="矩形 8"/>
+              <a:rPr lang="en-US" altLang="zh-CN" sz="5400" dirty="0" smtClean="0"/>
+              <a:t>Step </a:t>
+            </a:r>
+            <a:r>
+              <a:rPr lang="en-US" altLang="zh-CN" sz="5400" dirty="0" smtClean="0"/>
+              <a:t>8 Migrate Components to Angular</a:t>
+            </a:r>
+            <a:endParaRPr lang="en-US" altLang="zh-CN" sz="5400" dirty="0" smtClean="0"/>
+          </a:p>
+        </p:txBody>
+      </p:sp>
+      <p:sp>
+        <p:nvSpPr>
+          <p:cNvPr id="5" name="矩形 4"/>
           <p:cNvSpPr/>
           <p:nvPr/>
         </p:nvSpPr>
         <p:spPr>
           <a:xfrm>
-            <a:off x="4888602" y="364656"/>
-            <a:ext cx="2101344" cy="923330"/>
+            <a:off x="662831" y="1394368"/>
+            <a:ext cx="3261214" cy="369332"/>
           </a:xfrm>
           <a:prstGeom prst="rect">
             <a:avLst/>
@@ -4214,17 +4309,46 @@
           <a:lstStyle/>
           <a:p>
             <a:r>
-              <a:rPr lang="en-US" altLang="zh-CN" sz="5400" dirty="0" smtClean="0"/>
-              <a:t>Source</a:t>
-            </a:r>
-            <a:endParaRPr lang="zh-CN" altLang="en-US" sz="5400" dirty="0"/>
+              <a:rPr lang="en-US" altLang="zh-CN" dirty="0" smtClean="0"/>
+              <a:t>Change controller to Component</a:t>
+            </a:r>
+            <a:endParaRPr lang="zh-CN" altLang="en-US" dirty="0"/>
+          </a:p>
+        </p:txBody>
+      </p:sp>
+      <p:sp>
+        <p:nvSpPr>
+          <p:cNvPr id="8" name="矩形 7"/>
+          <p:cNvSpPr/>
+          <p:nvPr/>
+        </p:nvSpPr>
+        <p:spPr>
+          <a:xfrm>
+            <a:off x="662831" y="1778348"/>
+            <a:ext cx="1498615" cy="369332"/>
+          </a:xfrm>
+          <a:prstGeom prst="rect">
+            <a:avLst/>
+          </a:prstGeom>
+        </p:spPr>
+        <p:txBody>
+          <a:bodyPr wrap="none">
+            <a:spAutoFit/>
+          </a:bodyPr>
+          <a:lstStyle/>
+          <a:p>
+            <a:r>
+              <a:rPr lang="en-US" altLang="zh-CN" dirty="0" smtClean="0"/>
+              <a:t>@Component</a:t>
+            </a:r>
+            <a:endParaRPr lang="zh-CN" altLang="en-US" dirty="0"/>
           </a:p>
         </p:txBody>
       </p:sp>
     </p:spTree>
     <p:extLst>
       <p:ext uri="{BB962C8B-B14F-4D97-AF65-F5344CB8AC3E}">
-        <p14:creationId xmlns:p14="http://schemas.microsoft.com/office/powerpoint/2010/main" val="3762694947"/>
+        <p14:creationId xmlns:p14="http://schemas.microsoft.com/office/powerpoint/2010/main" val="2329972634"/>
       </p:ext>
     </p:extLst>
   </p:cSld>

--- a/Documents/upgrade angularjs.pptx
+++ b/Documents/upgrade angularjs.pptx
@@ -252,7 +252,7 @@
           <a:p>
             <a:fld id="{B8EC16E0-F6B4-473C-A0BC-2186BE7197D7}" type="datetimeFigureOut">
               <a:rPr lang="zh-CN" altLang="en-US" smtClean="0"/>
-              <a:t>2018/9/13</a:t>
+              <a:t>2018/9/14</a:t>
             </a:fld>
             <a:endParaRPr lang="zh-CN" altLang="en-US"/>
           </a:p>
@@ -422,7 +422,7 @@
           <a:p>
             <a:fld id="{B8EC16E0-F6B4-473C-A0BC-2186BE7197D7}" type="datetimeFigureOut">
               <a:rPr lang="zh-CN" altLang="en-US" smtClean="0"/>
-              <a:t>2018/9/13</a:t>
+              <a:t>2018/9/14</a:t>
             </a:fld>
             <a:endParaRPr lang="zh-CN" altLang="en-US"/>
           </a:p>
@@ -602,7 +602,7 @@
           <a:p>
             <a:fld id="{B8EC16E0-F6B4-473C-A0BC-2186BE7197D7}" type="datetimeFigureOut">
               <a:rPr lang="zh-CN" altLang="en-US" smtClean="0"/>
-              <a:t>2018/9/13</a:t>
+              <a:t>2018/9/14</a:t>
             </a:fld>
             <a:endParaRPr lang="zh-CN" altLang="en-US"/>
           </a:p>
@@ -772,7 +772,7 @@
           <a:p>
             <a:fld id="{B8EC16E0-F6B4-473C-A0BC-2186BE7197D7}" type="datetimeFigureOut">
               <a:rPr lang="zh-CN" altLang="en-US" smtClean="0"/>
-              <a:t>2018/9/13</a:t>
+              <a:t>2018/9/14</a:t>
             </a:fld>
             <a:endParaRPr lang="zh-CN" altLang="en-US"/>
           </a:p>
@@ -1018,7 +1018,7 @@
           <a:p>
             <a:fld id="{B8EC16E0-F6B4-473C-A0BC-2186BE7197D7}" type="datetimeFigureOut">
               <a:rPr lang="zh-CN" altLang="en-US" smtClean="0"/>
-              <a:t>2018/9/13</a:t>
+              <a:t>2018/9/14</a:t>
             </a:fld>
             <a:endParaRPr lang="zh-CN" altLang="en-US"/>
           </a:p>
@@ -1250,7 +1250,7 @@
           <a:p>
             <a:fld id="{B8EC16E0-F6B4-473C-A0BC-2186BE7197D7}" type="datetimeFigureOut">
               <a:rPr lang="zh-CN" altLang="en-US" smtClean="0"/>
-              <a:t>2018/9/13</a:t>
+              <a:t>2018/9/14</a:t>
             </a:fld>
             <a:endParaRPr lang="zh-CN" altLang="en-US"/>
           </a:p>
@@ -1617,7 +1617,7 @@
           <a:p>
             <a:fld id="{B8EC16E0-F6B4-473C-A0BC-2186BE7197D7}" type="datetimeFigureOut">
               <a:rPr lang="zh-CN" altLang="en-US" smtClean="0"/>
-              <a:t>2018/9/13</a:t>
+              <a:t>2018/9/14</a:t>
             </a:fld>
             <a:endParaRPr lang="zh-CN" altLang="en-US"/>
           </a:p>
@@ -1735,7 +1735,7 @@
           <a:p>
             <a:fld id="{B8EC16E0-F6B4-473C-A0BC-2186BE7197D7}" type="datetimeFigureOut">
               <a:rPr lang="zh-CN" altLang="en-US" smtClean="0"/>
-              <a:t>2018/9/13</a:t>
+              <a:t>2018/9/14</a:t>
             </a:fld>
             <a:endParaRPr lang="zh-CN" altLang="en-US"/>
           </a:p>
@@ -1830,7 +1830,7 @@
           <a:p>
             <a:fld id="{B8EC16E0-F6B4-473C-A0BC-2186BE7197D7}" type="datetimeFigureOut">
               <a:rPr lang="zh-CN" altLang="en-US" smtClean="0"/>
-              <a:t>2018/9/13</a:t>
+              <a:t>2018/9/14</a:t>
             </a:fld>
             <a:endParaRPr lang="zh-CN" altLang="en-US"/>
           </a:p>
@@ -2107,7 +2107,7 @@
           <a:p>
             <a:fld id="{B8EC16E0-F6B4-473C-A0BC-2186BE7197D7}" type="datetimeFigureOut">
               <a:rPr lang="zh-CN" altLang="en-US" smtClean="0"/>
-              <a:t>2018/9/13</a:t>
+              <a:t>2018/9/14</a:t>
             </a:fld>
             <a:endParaRPr lang="zh-CN" altLang="en-US"/>
           </a:p>
@@ -2360,7 +2360,7 @@
           <a:p>
             <a:fld id="{B8EC16E0-F6B4-473C-A0BC-2186BE7197D7}" type="datetimeFigureOut">
               <a:rPr lang="zh-CN" altLang="en-US" smtClean="0"/>
-              <a:t>2018/9/13</a:t>
+              <a:t>2018/9/14</a:t>
             </a:fld>
             <a:endParaRPr lang="zh-CN" altLang="en-US"/>
           </a:p>
@@ -2573,7 +2573,7 @@
           <a:p>
             <a:fld id="{B8EC16E0-F6B4-473C-A0BC-2186BE7197D7}" type="datetimeFigureOut">
               <a:rPr lang="zh-CN" altLang="en-US" smtClean="0"/>
-              <a:t>2018/9/13</a:t>
+              <a:t>2018/9/14</a:t>
             </a:fld>
             <a:endParaRPr lang="zh-CN" altLang="en-US"/>
           </a:p>
@@ -3135,6 +3135,102 @@
           </a:p>
         </p:txBody>
       </p:sp>
+      <p:sp>
+        <p:nvSpPr>
+          <p:cNvPr id="2" name="矩形 1"/>
+          <p:cNvSpPr/>
+          <p:nvPr/>
+        </p:nvSpPr>
+        <p:spPr>
+          <a:xfrm>
+            <a:off x="1250991" y="4989087"/>
+            <a:ext cx="5742048" cy="369332"/>
+          </a:xfrm>
+          <a:prstGeom prst="rect">
+            <a:avLst/>
+          </a:prstGeom>
+        </p:spPr>
+        <p:txBody>
+          <a:bodyPr wrap="square">
+            <a:spAutoFit/>
+          </a:bodyPr>
+          <a:lstStyle/>
+          <a:p>
+            <a:r>
+              <a:rPr lang="en-US" dirty="0" err="1" smtClean="0"/>
+              <a:t>Ladda</a:t>
+            </a:r>
+            <a:r>
+              <a:rPr lang="en-US" dirty="0" smtClean="0"/>
+              <a:t>  	https</a:t>
+            </a:r>
+            <a:r>
+              <a:rPr lang="en-US" dirty="0"/>
+              <a:t>://www.npmjs.com/package/angular2-ladda</a:t>
+            </a:r>
+          </a:p>
+        </p:txBody>
+      </p:sp>
+      <p:sp>
+        <p:nvSpPr>
+          <p:cNvPr id="4" name="矩形 3"/>
+          <p:cNvSpPr/>
+          <p:nvPr/>
+        </p:nvSpPr>
+        <p:spPr>
+          <a:xfrm>
+            <a:off x="1250991" y="4644868"/>
+            <a:ext cx="10392369" cy="369332"/>
+          </a:xfrm>
+          <a:prstGeom prst="rect">
+            <a:avLst/>
+          </a:prstGeom>
+        </p:spPr>
+        <p:txBody>
+          <a:bodyPr wrap="square">
+            <a:spAutoFit/>
+          </a:bodyPr>
+          <a:lstStyle/>
+          <a:p>
+            <a:r>
+              <a:rPr lang="en-US" dirty="0" smtClean="0"/>
+              <a:t>angular-spinners https</a:t>
+            </a:r>
+            <a:r>
+              <a:rPr lang="en-US" dirty="0"/>
+              <a:t>://www.npmjs.com/package/angular-spinners</a:t>
+            </a:r>
+          </a:p>
+        </p:txBody>
+      </p:sp>
+      <p:sp>
+        <p:nvSpPr>
+          <p:cNvPr id="5" name="矩形 4"/>
+          <p:cNvSpPr/>
+          <p:nvPr/>
+        </p:nvSpPr>
+        <p:spPr>
+          <a:xfrm>
+            <a:off x="1166948" y="1283925"/>
+            <a:ext cx="6096000" cy="646331"/>
+          </a:xfrm>
+          <a:prstGeom prst="rect">
+            <a:avLst/>
+          </a:prstGeom>
+        </p:spPr>
+        <p:txBody>
+          <a:bodyPr>
+            <a:spAutoFit/>
+          </a:bodyPr>
+          <a:lstStyle/>
+          <a:p>
+            <a:r>
+              <a:rPr lang="en-US" dirty="0"/>
+              <a:t>http://www.codetunnel.io/how-to-do-loading-spinners-the-angular-2/</a:t>
+            </a:r>
+          </a:p>
+        </p:txBody>
+      </p:sp>
     </p:spTree>
     <p:extLst>
       <p:ext uri="{BB962C8B-B14F-4D97-AF65-F5344CB8AC3E}">
@@ -4178,11 +4274,7 @@
             </a:r>
             <a:r>
               <a:rPr lang="en-US" dirty="0" smtClean="0"/>
-              <a:t> </a:t>
-            </a:r>
-            <a:r>
-              <a:rPr lang="en-US" dirty="0" smtClean="0"/>
-              <a:t>tools      </a:t>
+              <a:t> tools      </a:t>
             </a:r>
             <a:r>
               <a:rPr lang="en-US" dirty="0" err="1" smtClean="0"/>
@@ -4277,13 +4369,8 @@
           <a:p>
             <a:r>
               <a:rPr lang="en-US" altLang="zh-CN" sz="5400" dirty="0" smtClean="0"/>
-              <a:t>Step </a:t>
-            </a:r>
-            <a:r>
-              <a:rPr lang="en-US" altLang="zh-CN" sz="5400" dirty="0" smtClean="0"/>
-              <a:t>8 Migrate Components to Angular</a:t>
-            </a:r>
-            <a:endParaRPr lang="en-US" altLang="zh-CN" sz="5400" dirty="0" smtClean="0"/>
+              <a:t>Step 8 Migrate Components to Angular</a:t>
+            </a:r>
           </a:p>
         </p:txBody>
       </p:sp>
